--- a/제9장 자바 스크립트 객체(강의).pptx
+++ b/제9장 자바 스크립트 객체(강의).pptx
@@ -5,10 +5,10 @@
     <p:sldMasterId id="2147483668" r:id="rId1"/>
   </p:sldMasterIdLst>
   <p:notesMasterIdLst>
-    <p:notesMasterId r:id="rId46"/>
+    <p:notesMasterId r:id="rId45"/>
   </p:notesMasterIdLst>
   <p:handoutMasterIdLst>
-    <p:handoutMasterId r:id="rId47"/>
+    <p:handoutMasterId r:id="rId46"/>
   </p:handoutMasterIdLst>
   <p:sldIdLst>
     <p:sldId id="326" r:id="rId2"/>
@@ -54,7 +54,6 @@
     <p:sldId id="570" r:id="rId42"/>
     <p:sldId id="571" r:id="rId43"/>
     <p:sldId id="572" r:id="rId44"/>
-    <p:sldId id="325" r:id="rId45"/>
   </p:sldIdLst>
   <p:sldSz cx="9144000" cy="6858000" type="screen4x3"/>
   <p:notesSz cx="6934200" cy="9220200"/>
@@ -18670,148 +18669,6 @@
     <a:masterClrMapping/>
   </p:clrMapOvr>
   <p:transition spd="med"/>
-</p:sld>
-</file>
-
-<file path=ppt/slides/slide44.xml><?xml version="1.0" encoding="utf-8"?>
-<p:sld xmlns:a="http://schemas.openxmlformats.org/drawingml/2006/main" xmlns:r="http://schemas.openxmlformats.org/officeDocument/2006/relationships" xmlns:p="http://schemas.openxmlformats.org/presentationml/2006/main">
-  <p:cSld>
-    <p:spTree>
-      <p:nvGrpSpPr>
-        <p:cNvPr id="1" name=""/>
-        <p:cNvGrpSpPr/>
-        <p:nvPr/>
-      </p:nvGrpSpPr>
-      <p:grpSpPr>
-        <a:xfrm>
-          <a:off x="0" y="0"/>
-          <a:ext cx="0" cy="0"/>
-          <a:chOff x="0" y="0"/>
-          <a:chExt cx="0" cy="0"/>
-        </a:xfrm>
-      </p:grpSpPr>
-      <p:sp>
-        <p:nvSpPr>
-          <p:cNvPr id="457730" name="Rectangle 2"/>
-          <p:cNvSpPr>
-            <a:spLocks noGrp="1" noChangeArrowheads="1"/>
-          </p:cNvSpPr>
-          <p:nvPr>
-            <p:ph type="title"/>
-          </p:nvPr>
-        </p:nvSpPr>
-        <p:spPr>
-          <a:xfrm>
-            <a:off x="1260475" y="371475"/>
-            <a:ext cx="7623175" cy="571500"/>
-          </a:xfrm>
-        </p:spPr>
-        <p:txBody>
-          <a:bodyPr/>
-          <a:lstStyle/>
-          <a:p>
-            <a:r>
-              <a:rPr lang="en-US" altLang="ko-KR" sz="3600"/>
-              <a:t>Q &amp; A</a:t>
-            </a:r>
-          </a:p>
-        </p:txBody>
-      </p:sp>
-      <p:pic>
-        <p:nvPicPr>
-          <p:cNvPr id="457731" name="Picture 3" descr="MCj02406990000[1]"/>
-          <p:cNvPicPr>
-            <a:picLocks noChangeAspect="1" noChangeArrowheads="1"/>
-          </p:cNvPicPr>
-          <p:nvPr/>
-        </p:nvPicPr>
-        <p:blipFill>
-          <a:blip r:embed="rId2" cstate="print">
-            <a:extLst>
-              <a:ext uri="{28A0092B-C50C-407E-A947-70E740481C1C}">
-                <a14:useLocalDpi xmlns:a14="http://schemas.microsoft.com/office/drawing/2010/main" val="0"/>
-              </a:ext>
-            </a:extLst>
-          </a:blip>
-          <a:srcRect/>
-          <a:stretch>
-            <a:fillRect/>
-          </a:stretch>
-        </p:blipFill>
-        <p:spPr bwMode="auto">
-          <a:xfrm>
-            <a:off x="1944688" y="1978025"/>
-            <a:ext cx="2797175" cy="2024063"/>
-          </a:xfrm>
-          <a:prstGeom prst="rect">
-            <a:avLst/>
-          </a:prstGeom>
-          <a:noFill/>
-          <a:extLst>
-            <a:ext uri="{909E8E84-426E-40DD-AFC4-6F175D3DCCD1}">
-              <a14:hiddenFill xmlns:a14="http://schemas.microsoft.com/office/drawing/2010/main">
-                <a:solidFill>
-                  <a:srgbClr val="FFFFFF"/>
-                </a:solidFill>
-              </a14:hiddenFill>
-            </a:ext>
-          </a:extLst>
-        </p:spPr>
-      </p:pic>
-      <p:pic>
-        <p:nvPicPr>
-          <p:cNvPr id="457732" name="Picture 4" descr="MCj04165020000[1]"/>
-          <p:cNvPicPr>
-            <a:picLocks noChangeAspect="1" noChangeArrowheads="1"/>
-          </p:cNvPicPr>
-          <p:nvPr/>
-        </p:nvPicPr>
-        <p:blipFill>
-          <a:blip r:embed="rId3" cstate="print">
-            <a:extLst>
-              <a:ext uri="{28A0092B-C50C-407E-A947-70E740481C1C}">
-                <a14:useLocalDpi xmlns:a14="http://schemas.microsoft.com/office/drawing/2010/main" val="0"/>
-              </a:ext>
-            </a:extLst>
-          </a:blip>
-          <a:srcRect/>
-          <a:stretch>
-            <a:fillRect/>
-          </a:stretch>
-        </p:blipFill>
-        <p:spPr bwMode="auto">
-          <a:xfrm>
-            <a:off x="5649913" y="2103438"/>
-            <a:ext cx="1706562" cy="1631950"/>
-          </a:xfrm>
-          <a:prstGeom prst="rect">
-            <a:avLst/>
-          </a:prstGeom>
-          <a:noFill/>
-          <a:extLst>
-            <a:ext uri="{909E8E84-426E-40DD-AFC4-6F175D3DCCD1}">
-              <a14:hiddenFill xmlns:a14="http://schemas.microsoft.com/office/drawing/2010/main">
-                <a:solidFill>
-                  <a:srgbClr val="FFFFFF"/>
-                </a:solidFill>
-              </a14:hiddenFill>
-            </a:ext>
-          </a:extLst>
-        </p:spPr>
-      </p:pic>
-    </p:spTree>
-  </p:cSld>
-  <p:clrMapOvr>
-    <a:masterClrMapping/>
-  </p:clrMapOvr>
-  <p:transition spd="med"/>
-  <p:timing>
-    <p:tnLst>
-      <p:par>
-        <p:cTn id="1" dur="indefinite" restart="never" nodeType="tmRoot"/>
-      </p:par>
-    </p:tnLst>
-  </p:timing>
 </p:sld>
 </file>
 

--- a/제9장 자바 스크립트 객체(강의).pptx
+++ b/제9장 자바 스크립트 객체(강의).pptx
@@ -4663,7 +4663,24 @@
           <a:p>
             <a:r>
               <a:rPr lang="en-US" altLang="ko-KR" smtClean="0"/>
-              <a:t>...</a:t>
+              <a:t>Object </a:t>
+            </a:r>
+            <a:r>
+              <a:rPr lang="ko-KR" altLang="en-US" smtClean="0"/>
+              <a:t>객체</a:t>
+            </a:r>
+            <a:endParaRPr lang="en-US" altLang="ko-KR" smtClean="0"/>
+          </a:p>
+          <a:p>
+            <a:r>
+              <a:rPr lang="en-US" altLang="ko-KR" smtClean="0"/>
+              <a:t>Math</a:t>
+            </a:r>
+          </a:p>
+          <a:p>
+            <a:r>
+              <a:rPr lang="en-US" altLang="ko-KR" smtClean="0"/>
+              <a:t>Number</a:t>
             </a:r>
             <a:endParaRPr lang="ko-KR" altLang="en-US"/>
           </a:p>
